--- a/Pengenalan Anaconda Dan VS Code Jupyter Notebook.pptx
+++ b/Pengenalan Anaconda Dan VS Code Jupyter Notebook.pptx
@@ -6041,7 +6041,7 @@
           <a:p>
             <a:r>
               <a:rPr lang="en-US" sz="2000"/>
-              <a:t>Merupakan repository library python yang dimaintain onleh Anaconda, disebut juga sebagai conda package manager.</a:t>
+              <a:t>Merupakan repository library python yang dimaintain oleh Anaconda, disebut juga sebagai conda package manager.</a:t>
             </a:r>
             <a:endParaRPr lang="en-US" sz="2000"/>
           </a:p>
